--- a/CashFlow of Mutual Fund.pptx
+++ b/CashFlow of Mutual Fund.pptx
@@ -35,6 +35,7 @@
     <p:sldId id="279" r:id="rId28"/>
     <p:sldId id="280" r:id="rId29"/>
     <p:sldId id="281" r:id="rId30"/>
+    <p:sldId id="306" r:id="rId31"/>
   </p:sldIdLst>
   <p:sldSz cx="12192000" cy="6858000"/>
   <p:notesSz cx="6858000" cy="9144000"/>
@@ -2869,13 +2870,6 @@
             <a:r>
               <a:t>Group10</a:t>
             </a:r>
-            <a:r>
-              <a:rPr lang="en-US"/>
-              <a:t>_</a:t>
-            </a:r>
-            <a:r>
-              <a:t>Swordfish</a:t>
-            </a:r>
           </a:p>
           <a:p>
             <a:r>
@@ -3710,6 +3704,324 @@
           </a:ln>
         </p:spPr>
       </p:pic>
+      <p:sp>
+        <p:nvSpPr>
+          <p:cNvPr id="2" name="标题 1"/>
+          <p:cNvSpPr txBox="1"/>
+          <p:nvPr/>
+        </p:nvSpPr>
+        <p:spPr>
+          <a:xfrm>
+            <a:off x="838200" y="1783715"/>
+            <a:ext cx="2508885" cy="1325880"/>
+          </a:xfrm>
+          <a:prstGeom prst="rect">
+            <a:avLst/>
+          </a:prstGeom>
+          <a:ln w="12700">
+            <a:miter lim="400000"/>
+          </a:ln>
+        </p:spPr>
+        <p:txBody>
+          <a:bodyPr lIns="45719" rIns="45719" anchor="ctr">
+            <a:normAutofit/>
+          </a:bodyPr>
+          <a:lstStyle>
+            <a:lvl1pPr marL="0" marR="0" indent="0" algn="l" defTabSz="914400" rtl="0" latinLnBrk="0">
+              <a:lnSpc>
+                <a:spcPct val="90000"/>
+              </a:lnSpc>
+              <a:spcBef>
+                <a:spcPts val="0"/>
+              </a:spcBef>
+              <a:spcAft>
+                <a:spcPts val="0"/>
+              </a:spcAft>
+              <a:buClrTx/>
+              <a:buSzTx/>
+              <a:buFontTx/>
+              <a:buNone/>
+              <a:defRPr sz="4400" b="0" i="0" u="none" strike="noStrike" cap="none" spc="0" baseline="0">
+                <a:ln>
+                  <a:noFill/>
+                </a:ln>
+                <a:solidFill>
+                  <a:srgbClr val="000000"/>
+                </a:solidFill>
+                <a:uFillTx/>
+                <a:latin typeface="Calibri Light" panose="020F0302020204030204"/>
+                <a:ea typeface="Calibri Light" panose="020F0302020204030204"/>
+                <a:cs typeface="Calibri Light" panose="020F0302020204030204"/>
+                <a:sym typeface="Calibri Light" panose="020F0302020204030204"/>
+              </a:defRPr>
+            </a:lvl1pPr>
+            <a:lvl2pPr marL="0" marR="0" indent="0" algn="l" defTabSz="914400" rtl="0" latinLnBrk="0">
+              <a:lnSpc>
+                <a:spcPct val="90000"/>
+              </a:lnSpc>
+              <a:spcBef>
+                <a:spcPts val="0"/>
+              </a:spcBef>
+              <a:spcAft>
+                <a:spcPts val="0"/>
+              </a:spcAft>
+              <a:buClrTx/>
+              <a:buSzTx/>
+              <a:buFontTx/>
+              <a:buNone/>
+              <a:defRPr sz="4400" b="0" i="0" u="none" strike="noStrike" cap="none" spc="0" baseline="0">
+                <a:ln>
+                  <a:noFill/>
+                </a:ln>
+                <a:solidFill>
+                  <a:srgbClr val="000000"/>
+                </a:solidFill>
+                <a:uFillTx/>
+                <a:latin typeface="Calibri Light" panose="020F0302020204030204"/>
+                <a:ea typeface="Calibri Light" panose="020F0302020204030204"/>
+                <a:cs typeface="Calibri Light" panose="020F0302020204030204"/>
+                <a:sym typeface="Calibri Light" panose="020F0302020204030204"/>
+              </a:defRPr>
+            </a:lvl2pPr>
+            <a:lvl3pPr marL="0" marR="0" indent="0" algn="l" defTabSz="914400" rtl="0" latinLnBrk="0">
+              <a:lnSpc>
+                <a:spcPct val="90000"/>
+              </a:lnSpc>
+              <a:spcBef>
+                <a:spcPts val="0"/>
+              </a:spcBef>
+              <a:spcAft>
+                <a:spcPts val="0"/>
+              </a:spcAft>
+              <a:buClrTx/>
+              <a:buSzTx/>
+              <a:buFontTx/>
+              <a:buNone/>
+              <a:defRPr sz="4400" b="0" i="0" u="none" strike="noStrike" cap="none" spc="0" baseline="0">
+                <a:ln>
+                  <a:noFill/>
+                </a:ln>
+                <a:solidFill>
+                  <a:srgbClr val="000000"/>
+                </a:solidFill>
+                <a:uFillTx/>
+                <a:latin typeface="Calibri Light" panose="020F0302020204030204"/>
+                <a:ea typeface="Calibri Light" panose="020F0302020204030204"/>
+                <a:cs typeface="Calibri Light" panose="020F0302020204030204"/>
+                <a:sym typeface="Calibri Light" panose="020F0302020204030204"/>
+              </a:defRPr>
+            </a:lvl3pPr>
+            <a:lvl4pPr marL="0" marR="0" indent="0" algn="l" defTabSz="914400" rtl="0" latinLnBrk="0">
+              <a:lnSpc>
+                <a:spcPct val="90000"/>
+              </a:lnSpc>
+              <a:spcBef>
+                <a:spcPts val="0"/>
+              </a:spcBef>
+              <a:spcAft>
+                <a:spcPts val="0"/>
+              </a:spcAft>
+              <a:buClrTx/>
+              <a:buSzTx/>
+              <a:buFontTx/>
+              <a:buNone/>
+              <a:defRPr sz="4400" b="0" i="0" u="none" strike="noStrike" cap="none" spc="0" baseline="0">
+                <a:ln>
+                  <a:noFill/>
+                </a:ln>
+                <a:solidFill>
+                  <a:srgbClr val="000000"/>
+                </a:solidFill>
+                <a:uFillTx/>
+                <a:latin typeface="Calibri Light" panose="020F0302020204030204"/>
+                <a:ea typeface="Calibri Light" panose="020F0302020204030204"/>
+                <a:cs typeface="Calibri Light" panose="020F0302020204030204"/>
+                <a:sym typeface="Calibri Light" panose="020F0302020204030204"/>
+              </a:defRPr>
+            </a:lvl4pPr>
+            <a:lvl5pPr marL="0" marR="0" indent="0" algn="l" defTabSz="914400" rtl="0" latinLnBrk="0">
+              <a:lnSpc>
+                <a:spcPct val="90000"/>
+              </a:lnSpc>
+              <a:spcBef>
+                <a:spcPts val="0"/>
+              </a:spcBef>
+              <a:spcAft>
+                <a:spcPts val="0"/>
+              </a:spcAft>
+              <a:buClrTx/>
+              <a:buSzTx/>
+              <a:buFontTx/>
+              <a:buNone/>
+              <a:defRPr sz="4400" b="0" i="0" u="none" strike="noStrike" cap="none" spc="0" baseline="0">
+                <a:ln>
+                  <a:noFill/>
+                </a:ln>
+                <a:solidFill>
+                  <a:srgbClr val="000000"/>
+                </a:solidFill>
+                <a:uFillTx/>
+                <a:latin typeface="Calibri Light" panose="020F0302020204030204"/>
+                <a:ea typeface="Calibri Light" panose="020F0302020204030204"/>
+                <a:cs typeface="Calibri Light" panose="020F0302020204030204"/>
+                <a:sym typeface="Calibri Light" panose="020F0302020204030204"/>
+              </a:defRPr>
+            </a:lvl5pPr>
+            <a:lvl6pPr marL="0" marR="0" indent="0" algn="l" defTabSz="914400" rtl="0" latinLnBrk="0">
+              <a:lnSpc>
+                <a:spcPct val="90000"/>
+              </a:lnSpc>
+              <a:spcBef>
+                <a:spcPts val="0"/>
+              </a:spcBef>
+              <a:spcAft>
+                <a:spcPts val="0"/>
+              </a:spcAft>
+              <a:buClrTx/>
+              <a:buSzTx/>
+              <a:buFontTx/>
+              <a:buNone/>
+              <a:defRPr sz="4400" b="0" i="0" u="none" strike="noStrike" cap="none" spc="0" baseline="0">
+                <a:ln>
+                  <a:noFill/>
+                </a:ln>
+                <a:solidFill>
+                  <a:srgbClr val="000000"/>
+                </a:solidFill>
+                <a:uFillTx/>
+                <a:latin typeface="Calibri Light" panose="020F0302020204030204"/>
+                <a:ea typeface="Calibri Light" panose="020F0302020204030204"/>
+                <a:cs typeface="Calibri Light" panose="020F0302020204030204"/>
+                <a:sym typeface="Calibri Light" panose="020F0302020204030204"/>
+              </a:defRPr>
+            </a:lvl6pPr>
+            <a:lvl7pPr marL="0" marR="0" indent="0" algn="l" defTabSz="914400" rtl="0" latinLnBrk="0">
+              <a:lnSpc>
+                <a:spcPct val="90000"/>
+              </a:lnSpc>
+              <a:spcBef>
+                <a:spcPts val="0"/>
+              </a:spcBef>
+              <a:spcAft>
+                <a:spcPts val="0"/>
+              </a:spcAft>
+              <a:buClrTx/>
+              <a:buSzTx/>
+              <a:buFontTx/>
+              <a:buNone/>
+              <a:defRPr sz="4400" b="0" i="0" u="none" strike="noStrike" cap="none" spc="0" baseline="0">
+                <a:ln>
+                  <a:noFill/>
+                </a:ln>
+                <a:solidFill>
+                  <a:srgbClr val="000000"/>
+                </a:solidFill>
+                <a:uFillTx/>
+                <a:latin typeface="Calibri Light" panose="020F0302020204030204"/>
+                <a:ea typeface="Calibri Light" panose="020F0302020204030204"/>
+                <a:cs typeface="Calibri Light" panose="020F0302020204030204"/>
+                <a:sym typeface="Calibri Light" panose="020F0302020204030204"/>
+              </a:defRPr>
+            </a:lvl7pPr>
+            <a:lvl8pPr marL="0" marR="0" indent="0" algn="l" defTabSz="914400" rtl="0" latinLnBrk="0">
+              <a:lnSpc>
+                <a:spcPct val="90000"/>
+              </a:lnSpc>
+              <a:spcBef>
+                <a:spcPts val="0"/>
+              </a:spcBef>
+              <a:spcAft>
+                <a:spcPts val="0"/>
+              </a:spcAft>
+              <a:buClrTx/>
+              <a:buSzTx/>
+              <a:buFontTx/>
+              <a:buNone/>
+              <a:defRPr sz="4400" b="0" i="0" u="none" strike="noStrike" cap="none" spc="0" baseline="0">
+                <a:ln>
+                  <a:noFill/>
+                </a:ln>
+                <a:solidFill>
+                  <a:srgbClr val="000000"/>
+                </a:solidFill>
+                <a:uFillTx/>
+                <a:latin typeface="Calibri Light" panose="020F0302020204030204"/>
+                <a:ea typeface="Calibri Light" panose="020F0302020204030204"/>
+                <a:cs typeface="Calibri Light" panose="020F0302020204030204"/>
+                <a:sym typeface="Calibri Light" panose="020F0302020204030204"/>
+              </a:defRPr>
+            </a:lvl8pPr>
+            <a:lvl9pPr marL="0" marR="0" indent="0" algn="l" defTabSz="914400" rtl="0" latinLnBrk="0">
+              <a:lnSpc>
+                <a:spcPct val="90000"/>
+              </a:lnSpc>
+              <a:spcBef>
+                <a:spcPts val="0"/>
+              </a:spcBef>
+              <a:spcAft>
+                <a:spcPts val="0"/>
+              </a:spcAft>
+              <a:buClrTx/>
+              <a:buSzTx/>
+              <a:buFontTx/>
+              <a:buNone/>
+              <a:defRPr sz="4400" b="0" i="0" u="none" strike="noStrike" cap="none" spc="0" baseline="0">
+                <a:ln>
+                  <a:noFill/>
+                </a:ln>
+                <a:solidFill>
+                  <a:srgbClr val="000000"/>
+                </a:solidFill>
+                <a:uFillTx/>
+                <a:latin typeface="Calibri Light" panose="020F0302020204030204"/>
+                <a:ea typeface="Calibri Light" panose="020F0302020204030204"/>
+                <a:cs typeface="Calibri Light" panose="020F0302020204030204"/>
+                <a:sym typeface="Calibri Light" panose="020F0302020204030204"/>
+              </a:defRPr>
+            </a:lvl9pPr>
+          </a:lstStyle>
+          <a:p>
+            <a:pPr marL="457200" indent="-457200">
+              <a:buFont typeface="Arial" panose="020B0604020202020204" pitchFamily="34" charset="0"/>
+              <a:buChar char="•"/>
+            </a:pPr>
+            <a:r>
+              <a:rPr lang="en-US" sz="2800"/>
+              <a:t>Overfitting</a:t>
+            </a:r>
+            <a:endParaRPr lang="en-US" sz="2800"/>
+          </a:p>
+          <a:p>
+            <a:pPr marL="914400" lvl="1" indent="-457200">
+              <a:buFont typeface="Arial" panose="020B0604020202020204" pitchFamily="34" charset="0"/>
+              <a:buChar char="•"/>
+            </a:pPr>
+            <a:r>
+              <a:rPr lang="en-US" sz="2000"/>
+              <a:t>e</a:t>
+            </a:r>
+            <a:r>
+              <a:rPr lang="en-US" sz="2000"/>
+              <a:t>poch</a:t>
+            </a:r>
+            <a:r>
+              <a:rPr lang="zh-CN" altLang="en-US" sz="2000">
+                <a:ea typeface="宋体" panose="02010600030101010101" pitchFamily="2" charset="-122"/>
+              </a:rPr>
+              <a:t>：</a:t>
+            </a:r>
+            <a:r>
+              <a:rPr lang="en-US" altLang="zh-CN" sz="2000">
+                <a:ea typeface="宋体" panose="02010600030101010101" pitchFamily="2" charset="-122"/>
+              </a:rPr>
+              <a:t>500</a:t>
+            </a:r>
+            <a:endParaRPr lang="en-US" altLang="zh-CN" sz="2000">
+              <a:ea typeface="宋体" panose="02010600030101010101" pitchFamily="2" charset="-122"/>
+            </a:endParaRPr>
+          </a:p>
+        </p:txBody>
+      </p:sp>
     </p:spTree>
   </p:cSld>
   <p:clrMapOvr>
@@ -5144,6 +5456,51 @@
                 </a:solidFill>
               </a:uFill>
             </a:endParaRPr>
+          </a:p>
+        </p:txBody>
+      </p:sp>
+    </p:spTree>
+  </p:cSld>
+  <p:clrMapOvr>
+    <a:masterClrMapping/>
+  </p:clrMapOvr>
+  <p:transition spd="med"/>
+</p:sld>
+</file>
+
+<file path=ppt/slides/slide28.xml><?xml version="1.0" encoding="utf-8"?>
+<p:sld xmlns:a="http://schemas.openxmlformats.org/drawingml/2006/main" xmlns:r="http://schemas.openxmlformats.org/officeDocument/2006/relationships" xmlns:p="http://schemas.openxmlformats.org/presentationml/2006/main">
+  <p:cSld>
+    <p:spTree>
+      <p:nvGrpSpPr>
+        <p:cNvPr id="1" name=""/>
+        <p:cNvGrpSpPr/>
+        <p:nvPr/>
+      </p:nvGrpSpPr>
+      <p:grpSpPr/>
+      <p:sp>
+        <p:nvSpPr>
+          <p:cNvPr id="2" name="标题 1"/>
+          <p:cNvSpPr/>
+          <p:nvPr>
+            <p:ph type="title"/>
+          </p:nvPr>
+        </p:nvSpPr>
+        <p:spPr>
+          <a:xfrm>
+            <a:off x="838200" y="2251075"/>
+            <a:ext cx="10515600" cy="1325563"/>
+          </a:xfrm>
+        </p:spPr>
+        <p:txBody>
+          <a:bodyPr/>
+          <a:p>
+            <a:pPr algn="ctr"/>
+            <a:r>
+              <a:rPr lang="en-US" altLang="zh-CN"/>
+              <a:t>Thanks</a:t>
+            </a:r>
+            <a:endParaRPr lang="en-US" altLang="zh-CN"/>
           </a:p>
         </p:txBody>
       </p:sp>
